--- a/docs/lectures/Rlang/3 - using functions/using functions.pptx
+++ b/docs/lectures/Rlang/3 - using functions/using functions.pptx
@@ -3991,7 +3991,7 @@
             <a:r>
               <a:rPr>
                 <a:solidFill>
-                  <a:srgbClr val="06287E"/>
+                  <a:srgbClr val="4758AB"/>
                 </a:solidFill>
                 <a:latin typeface="Courier"/>
               </a:rPr>
@@ -3999,6 +3999,9 @@
             </a:r>
             <a:r>
               <a:rPr>
+                <a:solidFill>
+                  <a:srgbClr val="003B4F"/>
+                </a:solidFill>
                 <a:latin typeface="Courier"/>
               </a:rPr>
               <a:t>(</a:t>
@@ -4006,7 +4009,7 @@
             <a:r>
               <a:rPr>
                 <a:solidFill>
-                  <a:srgbClr val="7D9029"/>
+                  <a:srgbClr val="657422"/>
                 </a:solidFill>
                 <a:latin typeface="Courier"/>
               </a:rPr>
@@ -4014,6 +4017,9 @@
             </a:r>
             <a:r>
               <a:rPr>
+                <a:solidFill>
+                  <a:srgbClr val="003B4F"/>
+                </a:solidFill>
                 <a:latin typeface="Courier"/>
               </a:rPr>
               <a:t> value_1, </a:t>
@@ -4021,6 +4027,9 @@
             <a:br/>
             <a:r>
               <a:rPr>
+                <a:solidFill>
+                  <a:srgbClr val="003B4F"/>
+                </a:solidFill>
                 <a:latin typeface="Courier"/>
               </a:rPr>
               <a:t>              </a:t>
@@ -4028,7 +4037,7 @@
             <a:r>
               <a:rPr>
                 <a:solidFill>
-                  <a:srgbClr val="7D9029"/>
+                  <a:srgbClr val="657422"/>
                 </a:solidFill>
                 <a:latin typeface="Courier"/>
               </a:rPr>
@@ -4036,6 +4045,9 @@
             </a:r>
             <a:r>
               <a:rPr>
+                <a:solidFill>
+                  <a:srgbClr val="003B4F"/>
+                </a:solidFill>
                 <a:latin typeface="Courier"/>
               </a:rPr>
               <a:t> value_2, </a:t>
@@ -4043,6 +4055,9 @@
             <a:br/>
             <a:r>
               <a:rPr>
+                <a:solidFill>
+                  <a:srgbClr val="003B4F"/>
+                </a:solidFill>
                 <a:latin typeface="Courier"/>
               </a:rPr>
               <a:t>              ...)</a:t>
@@ -4181,7 +4196,7 @@
             <a:r>
               <a:rPr>
                 <a:solidFill>
-                  <a:srgbClr val="4070A0"/>
+                  <a:srgbClr val="20794D"/>
                 </a:solidFill>
                 <a:latin typeface="Courier"/>
               </a:rPr>
@@ -4190,7 +4205,7 @@
             <a:r>
               <a:rPr>
                 <a:solidFill>
-                  <a:srgbClr val="7D9029"/>
+                  <a:srgbClr val="657422"/>
                 </a:solidFill>
                 <a:latin typeface="Courier"/>
               </a:rPr>
@@ -4199,7 +4214,7 @@
             <a:r>
               <a:rPr>
                 <a:solidFill>
-                  <a:srgbClr val="4070A0"/>
+                  <a:srgbClr val="20794D"/>
                 </a:solidFill>
                 <a:latin typeface="Courier"/>
               </a:rPr>
@@ -4207,14 +4222,17 @@
             </a:r>
             <a:r>
               <a:rPr>
+                <a:solidFill>
+                  <a:srgbClr val="003B4F"/>
+                </a:solidFill>
                 <a:latin typeface="Courier"/>
               </a:rPr>
               <a:t> </a:t>
             </a:r>
             <a:r>
-              <a:rPr i="1">
-                <a:solidFill>
-                  <a:srgbClr val="60A0B0"/>
+              <a:rPr>
+                <a:solidFill>
+                  <a:srgbClr val="5E5E5E"/>
                 </a:solidFill>
                 <a:latin typeface="Courier"/>
               </a:rPr>
@@ -4225,7 +4243,7 @@
             <a:r>
               <a:rPr>
                 <a:solidFill>
-                  <a:srgbClr val="4070A0"/>
+                  <a:srgbClr val="20794D"/>
                 </a:solidFill>
                 <a:latin typeface="Courier"/>
               </a:rPr>
@@ -4234,7 +4252,7 @@
             <a:r>
               <a:rPr>
                 <a:solidFill>
-                  <a:srgbClr val="7D9029"/>
+                  <a:srgbClr val="657422"/>
                 </a:solidFill>
                 <a:latin typeface="Courier"/>
               </a:rPr>
@@ -4243,7 +4261,7 @@
             <a:r>
               <a:rPr>
                 <a:solidFill>
-                  <a:srgbClr val="4070A0"/>
+                  <a:srgbClr val="20794D"/>
                 </a:solidFill>
                 <a:latin typeface="Courier"/>
               </a:rPr>
@@ -4251,14 +4269,17 @@
             </a:r>
             <a:r>
               <a:rPr>
+                <a:solidFill>
+                  <a:srgbClr val="003B4F"/>
+                </a:solidFill>
                 <a:latin typeface="Courier"/>
               </a:rPr>
               <a:t> </a:t>
             </a:r>
             <a:r>
-              <a:rPr i="1">
-                <a:solidFill>
-                  <a:srgbClr val="60A0B0"/>
+              <a:rPr>
+                <a:solidFill>
+                  <a:srgbClr val="5E5E5E"/>
                 </a:solidFill>
                 <a:latin typeface="Courier"/>
               </a:rPr>
@@ -4269,7 +4290,7 @@
             <a:r>
               <a:rPr>
                 <a:solidFill>
-                  <a:srgbClr val="4070A0"/>
+                  <a:srgbClr val="20794D"/>
                 </a:solidFill>
                 <a:latin typeface="Courier"/>
               </a:rPr>
@@ -4278,7 +4299,7 @@
             <a:r>
               <a:rPr>
                 <a:solidFill>
-                  <a:srgbClr val="7D9029"/>
+                  <a:srgbClr val="657422"/>
                 </a:solidFill>
                 <a:latin typeface="Courier"/>
               </a:rPr>
@@ -4287,7 +4308,7 @@
             <a:r>
               <a:rPr>
                 <a:solidFill>
-                  <a:srgbClr val="4070A0"/>
+                  <a:srgbClr val="20794D"/>
                 </a:solidFill>
                 <a:latin typeface="Courier"/>
               </a:rPr>
@@ -4295,14 +4316,17 @@
             </a:r>
             <a:r>
               <a:rPr>
+                <a:solidFill>
+                  <a:srgbClr val="003B4F"/>
+                </a:solidFill>
                 <a:latin typeface="Courier"/>
               </a:rPr>
               <a:t> </a:t>
             </a:r>
             <a:r>
-              <a:rPr i="1">
-                <a:solidFill>
-                  <a:srgbClr val="60A0B0"/>
+              <a:rPr>
+                <a:solidFill>
+                  <a:srgbClr val="5E5E5E"/>
                 </a:solidFill>
                 <a:latin typeface="Courier"/>
               </a:rPr>
@@ -4313,7 +4337,7 @@
             <a:r>
               <a:rPr>
                 <a:solidFill>
-                  <a:srgbClr val="4070A0"/>
+                  <a:srgbClr val="20794D"/>
                 </a:solidFill>
                 <a:latin typeface="Courier"/>
               </a:rPr>
@@ -4322,7 +4346,7 @@
             <a:r>
               <a:rPr>
                 <a:solidFill>
-                  <a:srgbClr val="7D9029"/>
+                  <a:srgbClr val="657422"/>
                 </a:solidFill>
                 <a:latin typeface="Courier"/>
               </a:rPr>
@@ -4331,7 +4355,7 @@
             <a:r>
               <a:rPr>
                 <a:solidFill>
-                  <a:srgbClr val="4070A0"/>
+                  <a:srgbClr val="20794D"/>
                 </a:solidFill>
                 <a:latin typeface="Courier"/>
               </a:rPr>
@@ -4339,14 +4363,17 @@
             </a:r>
             <a:r>
               <a:rPr>
+                <a:solidFill>
+                  <a:srgbClr val="003B4F"/>
+                </a:solidFill>
                 <a:latin typeface="Courier"/>
               </a:rPr>
               <a:t> </a:t>
             </a:r>
             <a:r>
-              <a:rPr i="1">
-                <a:solidFill>
-                  <a:srgbClr val="60A0B0"/>
+              <a:rPr>
+                <a:solidFill>
+                  <a:srgbClr val="5E5E5E"/>
                 </a:solidFill>
                 <a:latin typeface="Courier"/>
               </a:rPr>
@@ -4357,7 +4384,7 @@
             <a:r>
               <a:rPr>
                 <a:solidFill>
-                  <a:srgbClr val="4070A0"/>
+                  <a:srgbClr val="20794D"/>
                 </a:solidFill>
                 <a:latin typeface="Courier"/>
               </a:rPr>
@@ -4366,7 +4393,7 @@
             <a:r>
               <a:rPr>
                 <a:solidFill>
-                  <a:srgbClr val="7D9029"/>
+                  <a:srgbClr val="657422"/>
                 </a:solidFill>
                 <a:latin typeface="Courier"/>
               </a:rPr>
@@ -4375,7 +4402,7 @@
             <a:r>
               <a:rPr>
                 <a:solidFill>
-                  <a:srgbClr val="4070A0"/>
+                  <a:srgbClr val="20794D"/>
                 </a:solidFill>
                 <a:latin typeface="Courier"/>
               </a:rPr>
@@ -4383,14 +4410,17 @@
             </a:r>
             <a:r>
               <a:rPr>
+                <a:solidFill>
+                  <a:srgbClr val="003B4F"/>
+                </a:solidFill>
                 <a:latin typeface="Courier"/>
               </a:rPr>
               <a:t> </a:t>
             </a:r>
             <a:r>
-              <a:rPr i="1">
-                <a:solidFill>
-                  <a:srgbClr val="60A0B0"/>
+              <a:rPr>
+                <a:solidFill>
+                  <a:srgbClr val="5E5E5E"/>
                 </a:solidFill>
                 <a:latin typeface="Courier"/>
               </a:rPr>
@@ -4485,7 +4515,7 @@
             <a:r>
               <a:rPr i="1">
                 <a:solidFill>
-                  <a:srgbClr val="BA2121"/>
+                  <a:srgbClr val="5E5E5E"/>
                 </a:solidFill>
                 <a:latin typeface="Courier"/>
               </a:rPr>
@@ -4495,7 +4525,7 @@
             <a:r>
               <a:rPr>
                 <a:solidFill>
-                  <a:srgbClr val="06287E"/>
+                  <a:srgbClr val="4758AB"/>
                 </a:solidFill>
                 <a:latin typeface="Courier"/>
               </a:rPr>
@@ -4503,14 +4533,17 @@
             </a:r>
             <a:r>
               <a:rPr>
+                <a:solidFill>
+                  <a:srgbClr val="003B4F"/>
+                </a:solidFill>
                 <a:latin typeface="Courier"/>
               </a:rPr>
               <a:t>(c) </a:t>
             </a:r>
             <a:r>
-              <a:rPr i="1">
-                <a:solidFill>
-                  <a:srgbClr val="60A0B0"/>
+              <a:rPr>
+                <a:solidFill>
+                  <a:srgbClr val="5E5E5E"/>
                 </a:solidFill>
                 <a:latin typeface="Courier"/>
               </a:rPr>
@@ -4520,7 +4553,7 @@
             <a:r>
               <a:rPr>
                 <a:solidFill>
-                  <a:srgbClr val="06287E"/>
+                  <a:srgbClr val="4758AB"/>
                 </a:solidFill>
                 <a:latin typeface="Courier"/>
               </a:rPr>
@@ -4528,6 +4561,9 @@
             </a:r>
             <a:r>
               <a:rPr>
+                <a:solidFill>
+                  <a:srgbClr val="003B4F"/>
+                </a:solidFill>
                 <a:latin typeface="Courier"/>
               </a:rPr>
               <a:t>(</a:t>
@@ -4535,7 +4571,7 @@
             <a:r>
               <a:rPr>
                 <a:solidFill>
-                  <a:srgbClr val="40A070"/>
+                  <a:srgbClr val="AD0000"/>
                 </a:solidFill>
                 <a:latin typeface="Courier"/>
               </a:rPr>
@@ -4543,6 +4579,9 @@
             </a:r>
             <a:r>
               <a:rPr>
+                <a:solidFill>
+                  <a:srgbClr val="003B4F"/>
+                </a:solidFill>
                 <a:latin typeface="Courier"/>
               </a:rPr>
               <a:t>, </a:t>
@@ -4550,7 +4589,7 @@
             <a:r>
               <a:rPr>
                 <a:solidFill>
-                  <a:srgbClr val="40A070"/>
+                  <a:srgbClr val="AD0000"/>
                 </a:solidFill>
                 <a:latin typeface="Courier"/>
               </a:rPr>
@@ -4558,6 +4597,9 @@
             </a:r>
             <a:r>
               <a:rPr>
+                <a:solidFill>
+                  <a:srgbClr val="003B4F"/>
+                </a:solidFill>
                 <a:latin typeface="Courier"/>
               </a:rPr>
               <a:t>, </a:t>
@@ -4565,7 +4607,7 @@
             <a:r>
               <a:rPr>
                 <a:solidFill>
-                  <a:srgbClr val="40A070"/>
+                  <a:srgbClr val="AD0000"/>
                 </a:solidFill>
                 <a:latin typeface="Courier"/>
               </a:rPr>
@@ -4573,6 +4615,9 @@
             </a:r>
             <a:r>
               <a:rPr>
+                <a:solidFill>
+                  <a:srgbClr val="003B4F"/>
+                </a:solidFill>
                 <a:latin typeface="Courier"/>
               </a:rPr>
               <a:t>, </a:t>
@@ -4580,7 +4625,7 @@
             <a:r>
               <a:rPr>
                 <a:solidFill>
-                  <a:srgbClr val="40A070"/>
+                  <a:srgbClr val="AD0000"/>
                 </a:solidFill>
                 <a:latin typeface="Courier"/>
               </a:rPr>
@@ -4588,6 +4633,9 @@
             </a:r>
             <a:r>
               <a:rPr>
+                <a:solidFill>
+                  <a:srgbClr val="003B4F"/>
+                </a:solidFill>
                 <a:latin typeface="Courier"/>
               </a:rPr>
               <a:t>, </a:t>
@@ -4595,7 +4643,7 @@
             <a:r>
               <a:rPr>
                 <a:solidFill>
-                  <a:srgbClr val="40A070"/>
+                  <a:srgbClr val="AD0000"/>
                 </a:solidFill>
                 <a:latin typeface="Courier"/>
               </a:rPr>
@@ -4603,6 +4651,9 @@
             </a:r>
             <a:r>
               <a:rPr>
+                <a:solidFill>
+                  <a:srgbClr val="003B4F"/>
+                </a:solidFill>
                 <a:latin typeface="Courier"/>
               </a:rPr>
               <a:t>, </a:t>
@@ -4610,7 +4661,7 @@
             <a:r>
               <a:rPr>
                 <a:solidFill>
-                  <a:srgbClr val="40A070"/>
+                  <a:srgbClr val="AD0000"/>
                 </a:solidFill>
                 <a:latin typeface="Courier"/>
               </a:rPr>
@@ -4618,6 +4669,9 @@
             </a:r>
             <a:r>
               <a:rPr>
+                <a:solidFill>
+                  <a:srgbClr val="003B4F"/>
+                </a:solidFill>
                 <a:latin typeface="Courier"/>
               </a:rPr>
               <a:t>) </a:t>
@@ -4626,6 +4680,9 @@
             <a:br/>
             <a:r>
               <a:rPr>
+                <a:solidFill>
+                  <a:srgbClr val="003B4F"/>
+                </a:solidFill>
                 <a:latin typeface="Courier"/>
               </a:rPr>
               <a:t>...</a:t>
@@ -4806,9 +4863,9 @@
               <a:buNone/>
             </a:pPr>
             <a:r>
-              <a:rPr i="1">
-                <a:solidFill>
-                  <a:srgbClr val="60A0B0"/>
+              <a:rPr>
+                <a:solidFill>
+                  <a:srgbClr val="5E5E5E"/>
                 </a:solidFill>
                 <a:latin typeface="Courier"/>
               </a:rPr>
@@ -4819,7 +4876,7 @@
             <a:r>
               <a:rPr>
                 <a:solidFill>
-                  <a:srgbClr val="06287E"/>
+                  <a:srgbClr val="4758AB"/>
                 </a:solidFill>
                 <a:latin typeface="Courier"/>
               </a:rPr>
@@ -4827,14 +4884,17 @@
             </a:r>
             <a:r>
               <a:rPr>
+                <a:solidFill>
+                  <a:srgbClr val="003B4F"/>
+                </a:solidFill>
                 <a:latin typeface="Courier"/>
               </a:rPr>
               <a:t>(install.packages) </a:t>
             </a:r>
             <a:r>
-              <a:rPr i="1">
-                <a:solidFill>
-                  <a:srgbClr val="60A0B0"/>
+              <a:rPr>
+                <a:solidFill>
+                  <a:srgbClr val="5E5E5E"/>
                 </a:solidFill>
                 <a:latin typeface="Courier"/>
               </a:rPr>
@@ -4844,7 +4904,7 @@
             <a:r>
               <a:rPr>
                 <a:solidFill>
-                  <a:srgbClr val="06287E"/>
+                  <a:srgbClr val="4758AB"/>
                 </a:solidFill>
                 <a:latin typeface="Courier"/>
               </a:rPr>
@@ -4852,6 +4912,9 @@
             </a:r>
             <a:r>
               <a:rPr>
+                <a:solidFill>
+                  <a:srgbClr val="003B4F"/>
+                </a:solidFill>
                 <a:latin typeface="Courier"/>
               </a:rPr>
               <a:t>(</a:t>
@@ -4859,7 +4922,7 @@
             <a:r>
               <a:rPr>
                 <a:solidFill>
-                  <a:srgbClr val="7D9029"/>
+                  <a:srgbClr val="657422"/>
                 </a:solidFill>
                 <a:latin typeface="Courier"/>
               </a:rPr>
@@ -4867,6 +4930,9 @@
             </a:r>
             <a:r>
               <a:rPr>
+                <a:solidFill>
+                  <a:srgbClr val="003B4F"/>
+                </a:solidFill>
                 <a:latin typeface="Courier"/>
               </a:rPr>
               <a:t> </a:t>
@@ -4874,7 +4940,7 @@
             <a:r>
               <a:rPr>
                 <a:solidFill>
-                  <a:srgbClr val="4070A0"/>
+                  <a:srgbClr val="20794D"/>
                 </a:solidFill>
                 <a:latin typeface="Courier"/>
               </a:rPr>
@@ -4882,6 +4948,9 @@
             </a:r>
             <a:r>
               <a:rPr>
+                <a:solidFill>
+                  <a:srgbClr val="003B4F"/>
+                </a:solidFill>
                 <a:latin typeface="Courier"/>
               </a:rPr>
               <a:t>)</a:t>
